--- a/eventbus.pptx
+++ b/eventbus.pptx
@@ -22,7 +22,7 @@
     <p:sldId id="262" r:id="rId15"/>
     <p:sldId id="273" r:id="rId16"/>
     <p:sldId id="263" r:id="rId17"/>
-    <p:sldId id="271" r:id="rId18"/>
+    <p:sldId id="292" r:id="rId18"/>
   </p:sldIdLst>
   <p:sldSz cx="12192000" cy="6858000"/>
   <p:notesSz cx="6858000" cy="9144000"/>
@@ -3667,14 +3667,14 @@
           <a:bodyPr/>
           <a:p>
             <a:r>
-              <a:rPr kumimoji="1" lang="zh-CN" altLang="en-US" dirty="0">
-                <a:solidFill>
-                  <a:schemeClr val="bg1"/>
-                </a:solidFill>
-              </a:rPr>
-              <a:t>驾驶指南</a:t>
-            </a:r>
-            <a:endParaRPr kumimoji="1" lang="en-US" altLang="zh-CN" dirty="0">
+              <a:rPr kumimoji="1" lang="zh-CN" dirty="0">
+                <a:solidFill>
+                  <a:schemeClr val="bg1"/>
+                </a:solidFill>
+              </a:rPr>
+              <a:t>核心流程</a:t>
+            </a:r>
+            <a:endParaRPr kumimoji="1" lang="zh-CN" dirty="0">
               <a:solidFill>
                 <a:schemeClr val="bg1"/>
               </a:solidFill>
@@ -3690,8 +3690,8 @@
         </p:nvSpPr>
         <p:spPr>
           <a:xfrm>
-            <a:off x="1811655" y="1343660"/>
-            <a:ext cx="1244600" cy="3749040"/>
+            <a:off x="2691765" y="2164080"/>
+            <a:ext cx="877570" cy="2529840"/>
           </a:xfrm>
           <a:prstGeom prst="rect">
             <a:avLst/>
@@ -3704,14 +3704,14 @@
           </a:bodyPr>
           <a:p>
             <a:r>
-              <a:rPr lang="zh-CN" sz="6000">
+              <a:rPr lang="zh-CN" sz="4000">
                 <a:solidFill>
                   <a:schemeClr val="bg1"/>
                 </a:solidFill>
               </a:rPr>
               <a:t>注销事件</a:t>
             </a:r>
-            <a:endParaRPr lang="zh-CN" sz="6000">
+            <a:endParaRPr lang="zh-CN" sz="4000">
               <a:solidFill>
                 <a:schemeClr val="bg1"/>
               </a:solidFill>
@@ -3801,14 +3801,14 @@
           </a:lstStyle>
           <a:p>
             <a:r>
-              <a:rPr kumimoji="1" lang="zh-CN" altLang="en-US" dirty="0">
-                <a:solidFill>
-                  <a:schemeClr val="bg1"/>
-                </a:solidFill>
-              </a:rPr>
-              <a:t>车门漂亮</a:t>
-            </a:r>
-            <a:endParaRPr kumimoji="1" lang="zh-CN" altLang="en-US" dirty="0">
+              <a:rPr kumimoji="1" lang="en-US" altLang="zh-CN" dirty="0">
+                <a:solidFill>
+                  <a:schemeClr val="bg1"/>
+                </a:solidFill>
+              </a:rPr>
+              <a:t>EventBus.java</a:t>
+            </a:r>
+            <a:endParaRPr kumimoji="1" lang="en-US" altLang="zh-CN" dirty="0">
               <a:solidFill>
                 <a:schemeClr val="bg1"/>
               </a:solidFill>
@@ -4058,7 +4058,7 @@
                   <a:schemeClr val="bg1"/>
                 </a:solidFill>
               </a:rPr>
-              <a:t>跑道精美</a:t>
+              <a:t>线程模型</a:t>
             </a:r>
             <a:endParaRPr kumimoji="1" lang="zh-CN" altLang="en-US" dirty="0">
               <a:solidFill>
@@ -4202,6 +4202,30 @@
           </a:p>
         </p:txBody>
       </p:sp>
+      <p:pic>
+        <p:nvPicPr>
+          <p:cNvPr id="4" name="图片 3" descr="元素 (5)"/>
+          <p:cNvPicPr>
+            <a:picLocks noChangeAspect="1"/>
+          </p:cNvPicPr>
+          <p:nvPr/>
+        </p:nvPicPr>
+        <p:blipFill>
+          <a:blip r:embed="rId1"/>
+          <a:stretch>
+            <a:fillRect/>
+          </a:stretch>
+        </p:blipFill>
+        <p:spPr>
+          <a:xfrm>
+            <a:off x="4759960" y="469265"/>
+            <a:ext cx="7198995" cy="6256020"/>
+          </a:xfrm>
+          <a:prstGeom prst="rect">
+            <a:avLst/>
+          </a:prstGeom>
+        </p:spPr>
+      </p:pic>
     </p:spTree>
   </p:cSld>
   <p:clrMapOvr>
@@ -4268,7 +4292,7 @@
                   <a:schemeClr val="bg1"/>
                 </a:solidFill>
               </a:rPr>
-              <a:t>为什么跑的快？</a:t>
+              <a:t>安全与性能</a:t>
             </a:r>
             <a:endParaRPr kumimoji="1" lang="zh-CN" altLang="en-US" dirty="0">
               <a:solidFill>
@@ -4486,44 +4510,9 @@
           <a:chExt cx="0" cy="0"/>
         </a:xfrm>
       </p:grpSpPr>
-      <p:sp>
-        <p:nvSpPr>
-          <p:cNvPr id="6" name="标题 5"/>
-          <p:cNvSpPr>
-            <a:spLocks noGrp="1"/>
-          </p:cNvSpPr>
-          <p:nvPr>
-            <p:ph type="title"/>
-          </p:nvPr>
-        </p:nvSpPr>
-        <p:spPr>
-          <a:xfrm>
-            <a:off x="838200" y="236538"/>
-            <a:ext cx="10515600" cy="1106488"/>
-          </a:xfrm>
-        </p:spPr>
-        <p:txBody>
-          <a:bodyPr/>
-          <a:p>
-            <a:r>
-              <a:rPr kumimoji="1" lang="zh-CN" altLang="en-US" dirty="0">
-                <a:solidFill>
-                  <a:schemeClr val="bg1"/>
-                </a:solidFill>
-              </a:rPr>
-              <a:t>车神之路</a:t>
-            </a:r>
-            <a:endParaRPr kumimoji="1" lang="zh-CN" altLang="en-US" dirty="0">
-              <a:solidFill>
-                <a:schemeClr val="bg1"/>
-              </a:solidFill>
-            </a:endParaRPr>
-          </a:p>
-        </p:txBody>
-      </p:sp>
       <p:pic>
         <p:nvPicPr>
-          <p:cNvPr id="7" name="图片 6"/>
+          <p:cNvPr id="3" name="图片 2" descr="元素 (2)"/>
           <p:cNvPicPr>
             <a:picLocks noChangeAspect="1"/>
           </p:cNvPicPr>
@@ -4537,14 +4526,49 @@
         </p:blipFill>
         <p:spPr>
           <a:xfrm>
-            <a:off x="1335405" y="1853565"/>
-            <a:ext cx="9520555" cy="3150870"/>
+            <a:off x="3567430" y="204470"/>
+            <a:ext cx="7844155" cy="6448425"/>
           </a:xfrm>
           <a:prstGeom prst="rect">
             <a:avLst/>
           </a:prstGeom>
         </p:spPr>
       </p:pic>
+      <p:sp>
+        <p:nvSpPr>
+          <p:cNvPr id="6" name="标题 5"/>
+          <p:cNvSpPr>
+            <a:spLocks noGrp="1"/>
+          </p:cNvSpPr>
+          <p:nvPr>
+            <p:ph type="title"/>
+          </p:nvPr>
+        </p:nvSpPr>
+        <p:spPr>
+          <a:xfrm>
+            <a:off x="838200" y="236538"/>
+            <a:ext cx="10515600" cy="1106488"/>
+          </a:xfrm>
+        </p:spPr>
+        <p:txBody>
+          <a:bodyPr/>
+          <a:p>
+            <a:r>
+              <a:rPr kumimoji="1" lang="zh-CN" altLang="en-US" dirty="0">
+                <a:solidFill>
+                  <a:schemeClr val="bg1"/>
+                </a:solidFill>
+              </a:rPr>
+              <a:t>车神之路</a:t>
+            </a:r>
+            <a:endParaRPr kumimoji="1" lang="zh-CN" altLang="en-US" dirty="0">
+              <a:solidFill>
+                <a:schemeClr val="bg1"/>
+              </a:solidFill>
+            </a:endParaRPr>
+          </a:p>
+        </p:txBody>
+      </p:sp>
     </p:spTree>
   </p:cSld>
   <p:clrMapOvr>
@@ -4585,17 +4609,41 @@
           <a:chExt cx="0" cy="0"/>
         </a:xfrm>
       </p:grpSpPr>
-      <p:sp>
-        <p:nvSpPr>
-          <p:cNvPr id="2" name="标题 1"/>
-          <p:cNvSpPr>
-            <a:spLocks noGrp="1"/>
-          </p:cNvSpPr>
+      <p:pic>
+        <p:nvPicPr>
+          <p:cNvPr id="7" name="图片 6"/>
+          <p:cNvPicPr>
+            <a:picLocks noChangeAspect="1"/>
+          </p:cNvPicPr>
           <p:nvPr/>
-        </p:nvSpPr>
+        </p:nvPicPr>
+        <p:blipFill>
+          <a:blip r:embed="rId1"/>
+          <a:stretch>
+            <a:fillRect/>
+          </a:stretch>
+        </p:blipFill>
         <p:spPr>
           <a:xfrm>
-            <a:off x="4312920" y="2598738"/>
+            <a:off x="1595755" y="2936875"/>
+            <a:ext cx="9520555" cy="3150870"/>
+          </a:xfrm>
+          <a:prstGeom prst="rect">
+            <a:avLst/>
+          </a:prstGeom>
+        </p:spPr>
+      </p:pic>
+      <p:sp>
+        <p:nvSpPr>
+          <p:cNvPr id="2" name="标题 1"/>
+          <p:cNvSpPr>
+            <a:spLocks noGrp="1"/>
+          </p:cNvSpPr>
+          <p:nvPr/>
+        </p:nvSpPr>
+        <p:spPr>
+          <a:xfrm>
+            <a:off x="4157345" y="1622108"/>
             <a:ext cx="10515600" cy="1106488"/>
           </a:xfrm>
           <a:prstGeom prst="rect">
@@ -4643,13 +4691,17 @@
         </p:txBody>
       </p:sp>
     </p:spTree>
-    <p:custDataLst>
-      <p:tags r:id="rId1"/>
-    </p:custDataLst>
   </p:cSld>
   <p:clrMapOvr>
     <a:masterClrMapping/>
   </p:clrMapOvr>
+  <p:timing>
+    <p:tnLst>
+      <p:par>
+        <p:cTn id="1" dur="indefinite" restart="never" nodeType="tmRoot"/>
+      </p:par>
+    </p:tnLst>
+  </p:timing>
 </p:sld>
 </file>
 
@@ -4796,7 +4848,7 @@
         <p:spPr>
           <a:xfrm>
             <a:off x="1554480" y="914400"/>
-            <a:ext cx="523875" cy="5577840"/>
+            <a:ext cx="523875" cy="3749040"/>
           </a:xfrm>
           <a:prstGeom prst="rect">
             <a:avLst/>
@@ -4814,7 +4866,7 @@
                   <a:schemeClr val="bg1"/>
                 </a:solidFill>
               </a:rPr>
-              <a:t>登录模块设计</a:t>
+              <a:t>用户模块</a:t>
             </a:r>
             <a:endParaRPr lang="zh-CN" sz="6000">
               <a:solidFill>
@@ -5104,8 +5156,8 @@
         </p:blipFill>
         <p:spPr>
           <a:xfrm>
-            <a:off x="4255770" y="1343660"/>
-            <a:ext cx="7390765" cy="2766060"/>
+            <a:off x="4236720" y="1652905"/>
+            <a:ext cx="7722235" cy="2889885"/>
           </a:xfrm>
           <a:prstGeom prst="rect">
             <a:avLst/>
@@ -5137,7 +5189,7 @@
                   <a:schemeClr val="bg1"/>
                 </a:solidFill>
               </a:rPr>
-              <a:t>车型介绍</a:t>
+              <a:t>简单介绍</a:t>
             </a:r>
             <a:endParaRPr kumimoji="1" lang="en-US" altLang="zh-CN" dirty="0">
               <a:solidFill>
@@ -5375,7 +5427,121 @@
   <p:timing>
     <p:tnLst>
       <p:par>
-        <p:cTn id="1" dur="indefinite" restart="never" nodeType="tmRoot"/>
+        <p:cTn id="1" dur="indefinite" restart="never" nodeType="tmRoot">
+          <p:childTnLst>
+            <p:seq concurrent="1" nextAc="seek">
+              <p:cTn id="2" dur="indefinite" nodeType="mainSeq">
+                <p:childTnLst>
+                  <p:par>
+                    <p:cTn id="3" fill="hold">
+                      <p:stCondLst>
+                        <p:cond delay="indefinite"/>
+                      </p:stCondLst>
+                      <p:childTnLst>
+                        <p:par>
+                          <p:cTn id="4" fill="hold">
+                            <p:stCondLst>
+                              <p:cond delay="0"/>
+                            </p:stCondLst>
+                            <p:childTnLst>
+                              <p:par>
+                                <p:cTn id="5" presetID="2" presetClass="entr" presetSubtype="4" fill="hold" nodeType="clickEffect">
+                                  <p:stCondLst>
+                                    <p:cond delay="0"/>
+                                  </p:stCondLst>
+                                  <p:childTnLst>
+                                    <p:set>
+                                      <p:cBhvr>
+                                        <p:cTn id="6" dur="1" fill="hold">
+                                          <p:stCondLst>
+                                            <p:cond delay="0"/>
+                                          </p:stCondLst>
+                                        </p:cTn>
+                                        <p:tgtEl>
+                                          <p:spTgt spid="13"/>
+                                        </p:tgtEl>
+                                        <p:attrNameLst>
+                                          <p:attrName>style.visibility</p:attrName>
+                                        </p:attrNameLst>
+                                      </p:cBhvr>
+                                      <p:to>
+                                        <p:strVal val="visible"/>
+                                      </p:to>
+                                    </p:set>
+                                    <p:anim calcmode="lin" valueType="num">
+                                      <p:cBhvr additive="base">
+                                        <p:cTn id="7" dur="500" fill="hold"/>
+                                        <p:tgtEl>
+                                          <p:spTgt spid="13"/>
+                                        </p:tgtEl>
+                                        <p:attrNameLst>
+                                          <p:attrName>ppt_x</p:attrName>
+                                        </p:attrNameLst>
+                                      </p:cBhvr>
+                                      <p:tavLst>
+                                        <p:tav tm="0">
+                                          <p:val>
+                                            <p:strVal val="#ppt_x"/>
+                                          </p:val>
+                                        </p:tav>
+                                        <p:tav tm="100000">
+                                          <p:val>
+                                            <p:strVal val="#ppt_x"/>
+                                          </p:val>
+                                        </p:tav>
+                                      </p:tavLst>
+                                    </p:anim>
+                                    <p:anim calcmode="lin" valueType="num">
+                                      <p:cBhvr additive="base">
+                                        <p:cTn id="8" dur="500" fill="hold"/>
+                                        <p:tgtEl>
+                                          <p:spTgt spid="13"/>
+                                        </p:tgtEl>
+                                        <p:attrNameLst>
+                                          <p:attrName>ppt_y</p:attrName>
+                                        </p:attrNameLst>
+                                      </p:cBhvr>
+                                      <p:tavLst>
+                                        <p:tav tm="0">
+                                          <p:val>
+                                            <p:strVal val="1+#ppt_h/2"/>
+                                          </p:val>
+                                        </p:tav>
+                                        <p:tav tm="100000">
+                                          <p:val>
+                                            <p:strVal val="#ppt_y"/>
+                                          </p:val>
+                                        </p:tav>
+                                      </p:tavLst>
+                                    </p:anim>
+                                  </p:childTnLst>
+                                </p:cTn>
+                              </p:par>
+                            </p:childTnLst>
+                          </p:cTn>
+                        </p:par>
+                      </p:childTnLst>
+                    </p:cTn>
+                  </p:par>
+                </p:childTnLst>
+              </p:cTn>
+              <p:prevCondLst>
+                <p:cond evt="onPrev" delay="0">
+                  <p:tgtEl>
+                    <p:sldTgt/>
+                  </p:tgtEl>
+                </p:cond>
+              </p:prevCondLst>
+              <p:nextCondLst>
+                <p:cond evt="onNext" delay="0">
+                  <p:tgtEl>
+                    <p:sldTgt/>
+                  </p:tgtEl>
+                </p:cond>
+              </p:nextCondLst>
+            </p:seq>
+          </p:childTnLst>
+        </p:cTn>
       </p:par>
     </p:tnLst>
   </p:timing>
@@ -5432,7 +5598,7 @@
                   <a:schemeClr val="bg1"/>
                 </a:solidFill>
               </a:rPr>
-              <a:t>新手上路</a:t>
+              <a:t>极简使用</a:t>
             </a:r>
             <a:endParaRPr kumimoji="1" lang="zh-CN" altLang="en-US" dirty="0">
               <a:solidFill>
@@ -5450,7 +5616,7 @@
         </p:nvSpPr>
         <p:spPr>
           <a:xfrm>
-            <a:off x="716280" y="1343660"/>
+            <a:off x="697230" y="2087880"/>
             <a:ext cx="4265930" cy="3505200"/>
           </a:xfrm>
           <a:prstGeom prst="rect">
@@ -6138,26 +6304,26 @@
                   <a:schemeClr val="bg1"/>
                 </a:solidFill>
               </a:rPr>
-              <a:t>驾驶指南</a:t>
-            </a:r>
-            <a:endParaRPr kumimoji="1" lang="en-US" altLang="zh-CN" dirty="0">
-              <a:solidFill>
-                <a:schemeClr val="bg1"/>
-              </a:solidFill>
-            </a:endParaRPr>
-          </a:p>
-        </p:txBody>
-      </p:sp>
-      <p:sp>
-        <p:nvSpPr>
-          <p:cNvPr id="9" name="文本框 8"/>
+              <a:t>核心流程</a:t>
+            </a:r>
+            <a:endParaRPr kumimoji="1" lang="zh-CN" altLang="en-US" dirty="0">
+              <a:solidFill>
+                <a:schemeClr val="bg1"/>
+              </a:solidFill>
+            </a:endParaRPr>
+          </a:p>
+        </p:txBody>
+      </p:sp>
+      <p:sp>
+        <p:nvSpPr>
+          <p:cNvPr id="3" name="文本框 2"/>
           <p:cNvSpPr txBox="1"/>
           <p:nvPr/>
         </p:nvSpPr>
         <p:spPr>
           <a:xfrm>
-            <a:off x="1811655" y="1343660"/>
-            <a:ext cx="1244600" cy="3749040"/>
+            <a:off x="2691765" y="2164080"/>
+            <a:ext cx="877570" cy="2529840"/>
           </a:xfrm>
           <a:prstGeom prst="rect">
             <a:avLst/>
@@ -6170,14 +6336,14 @@
           </a:bodyPr>
           <a:p>
             <a:r>
-              <a:rPr lang="zh-CN" sz="6000">
+              <a:rPr lang="zh-CN" sz="4000">
                 <a:solidFill>
                   <a:schemeClr val="bg1"/>
                 </a:solidFill>
               </a:rPr>
               <a:t>订阅事件</a:t>
             </a:r>
-            <a:endParaRPr lang="zh-CN" sz="6000">
+            <a:endParaRPr lang="zh-CN" sz="4000">
               <a:solidFill>
                 <a:schemeClr val="bg1"/>
               </a:solidFill>
@@ -6274,26 +6440,26 @@
                   <a:schemeClr val="bg1"/>
                 </a:solidFill>
               </a:rPr>
-              <a:t>驾驶指南</a:t>
-            </a:r>
-            <a:endParaRPr kumimoji="1" lang="en-US" altLang="zh-CN" dirty="0">
-              <a:solidFill>
-                <a:schemeClr val="bg1"/>
-              </a:solidFill>
-            </a:endParaRPr>
-          </a:p>
-        </p:txBody>
-      </p:sp>
-      <p:sp>
-        <p:nvSpPr>
-          <p:cNvPr id="9" name="文本框 8"/>
+              <a:t>核心流程</a:t>
+            </a:r>
+            <a:endParaRPr kumimoji="1" lang="zh-CN" altLang="en-US" dirty="0">
+              <a:solidFill>
+                <a:schemeClr val="bg1"/>
+              </a:solidFill>
+            </a:endParaRPr>
+          </a:p>
+        </p:txBody>
+      </p:sp>
+      <p:sp>
+        <p:nvSpPr>
+          <p:cNvPr id="3" name="文本框 2"/>
           <p:cNvSpPr txBox="1"/>
           <p:nvPr/>
         </p:nvSpPr>
         <p:spPr>
           <a:xfrm>
-            <a:off x="1811655" y="1343660"/>
-            <a:ext cx="1244600" cy="3749040"/>
+            <a:off x="2691765" y="2164080"/>
+            <a:ext cx="877570" cy="2529840"/>
           </a:xfrm>
           <a:prstGeom prst="rect">
             <a:avLst/>
@@ -6306,14 +6472,14 @@
           </a:bodyPr>
           <a:p>
             <a:r>
-              <a:rPr lang="zh-CN" sz="6000">
+              <a:rPr lang="zh-CN" sz="4000">
                 <a:solidFill>
                   <a:schemeClr val="bg1"/>
                 </a:solidFill>
               </a:rPr>
               <a:t>发送事件</a:t>
             </a:r>
-            <a:endParaRPr lang="zh-CN" sz="6000">
+            <a:endParaRPr lang="zh-CN" sz="4000">
               <a:solidFill>
                 <a:schemeClr val="bg1"/>
               </a:solidFill>
@@ -6354,23 +6520,6 @@
 </file>
 
 <file path=ppt/tags/tag2.xml><?xml version="1.0" encoding="utf-8"?>
-<p:tagLst xmlns:p="http://schemas.openxmlformats.org/presentationml/2006/main">
-  <p:tag name="KSO_WM_TEMPLATE_CATEGORY" val="diagram"/>
-  <p:tag name="KSO_WM_TEMPLATE_INDEX" val="160999"/>
-  <p:tag name="KSO_WM_TAG_VERSION" val="1.0"/>
-  <p:tag name="KSO_WM_SLIDE_ID" val="diagram160999_1"/>
-  <p:tag name="KSO_WM_SLIDE_INDEX" val="1"/>
-  <p:tag name="KSO_WM_SLIDE_ITEM_CNT" val="1"/>
-  <p:tag name="KSO_WM_SLIDE_LAYOUT" val="a_f"/>
-  <p:tag name="KSO_WM_SLIDE_LAYOUT_CNT" val="1_1"/>
-  <p:tag name="KSO_WM_SLIDE_TYPE" val="text"/>
-  <p:tag name="KSO_WM_BEAUTIFY_FLAG" val="#wm#"/>
-  <p:tag name="KSO_WM_SLIDE_POSITION" val="66*144"/>
-  <p:tag name="KSO_WM_SLIDE_SIZE" val="828*343"/>
-</p:tagLst>
-</file>
-
-<file path=ppt/tags/tag3.xml><?xml version="1.0" encoding="utf-8"?>
 <p:tagLst xmlns:p="http://schemas.openxmlformats.org/presentationml/2006/main">
   <p:tag name="KSO_WM_TEMPLATE_CATEGORY" val="diagram"/>
   <p:tag name="KSO_WM_TEMPLATE_INDEX" val="160999"/>
